--- a/FPGA_DRAM_Tutorial.pptx
+++ b/FPGA_DRAM_Tutorial.pptx
@@ -17835,8 +17835,12 @@
               <a:t>請參考附件</a:t>
             </a:r>
             <a:r>
-              <a:rPr lang="en-US" altLang="zh-TW" dirty="0"/>
-              <a:t>DRAM.zip</a:t>
+              <a:rPr lang="en-US" altLang="zh-TW"/>
+              <a:t>DRAM_DE5.</a:t>
+            </a:r>
+            <a:r>
+              <a:rPr lang="en-US" altLang="zh-TW" dirty="0"/>
+              <a:t>zip</a:t>
             </a:r>
           </a:p>
         </p:txBody>

--- a/FPGA_DRAM_Tutorial.pptx
+++ b/FPGA_DRAM_Tutorial.pptx
@@ -242,7 +242,7 @@
           <a:p>
             <a:fld id="{A593074D-EA0E-4468-8CB3-2A5E49EA3846}" type="datetimeFigureOut">
               <a:rPr lang="zh-TW" altLang="en-US" smtClean="0"/>
-              <a:t>2021/5/10</a:t>
+              <a:t>2021/5/17</a:t>
             </a:fld>
             <a:endParaRPr lang="zh-TW" altLang="en-US"/>
           </a:p>
@@ -3494,7 +3494,7 @@
           <a:p>
             <a:fld id="{409742C8-B947-419F-859C-E7DC46CBA9BA}" type="datetime1">
               <a:rPr lang="zh-TW" altLang="en-US" smtClean="0"/>
-              <a:t>2021/5/10</a:t>
+              <a:t>2021/5/17</a:t>
             </a:fld>
             <a:endParaRPr lang="zh-TW" altLang="en-US"/>
           </a:p>
@@ -3662,7 +3662,7 @@
           <a:p>
             <a:fld id="{11A02FD3-BC43-4815-9904-04CCE2F60A79}" type="datetime1">
               <a:rPr lang="zh-TW" altLang="en-US" smtClean="0"/>
-              <a:t>2021/5/10</a:t>
+              <a:t>2021/5/17</a:t>
             </a:fld>
             <a:endParaRPr lang="zh-TW" altLang="en-US"/>
           </a:p>
@@ -3840,7 +3840,7 @@
           <a:p>
             <a:fld id="{1D9A5423-3E7F-4C46-9C6D-8CD9377A4DDE}" type="datetime1">
               <a:rPr lang="zh-TW" altLang="en-US" smtClean="0"/>
-              <a:t>2021/5/10</a:t>
+              <a:t>2021/5/17</a:t>
             </a:fld>
             <a:endParaRPr lang="zh-TW" altLang="en-US"/>
           </a:p>
@@ -4008,7 +4008,7 @@
           <a:p>
             <a:fld id="{5EA1CAA0-A4EF-42AB-B9A3-0710D0FB2C62}" type="datetime1">
               <a:rPr lang="zh-TW" altLang="en-US" smtClean="0"/>
-              <a:t>2021/5/10</a:t>
+              <a:t>2021/5/17</a:t>
             </a:fld>
             <a:endParaRPr lang="zh-TW" altLang="en-US"/>
           </a:p>
@@ -4253,7 +4253,7 @@
           <a:p>
             <a:fld id="{0C2620EE-B923-49F6-ABD2-01AD4CB168B2}" type="datetime1">
               <a:rPr lang="zh-TW" altLang="en-US" smtClean="0"/>
-              <a:t>2021/5/10</a:t>
+              <a:t>2021/5/17</a:t>
             </a:fld>
             <a:endParaRPr lang="zh-TW" altLang="en-US"/>
           </a:p>
@@ -4482,7 +4482,7 @@
           <a:p>
             <a:fld id="{BA34FEE3-AB1B-4366-8880-9D2C68533B60}" type="datetime1">
               <a:rPr lang="zh-TW" altLang="en-US" smtClean="0"/>
-              <a:t>2021/5/10</a:t>
+              <a:t>2021/5/17</a:t>
             </a:fld>
             <a:endParaRPr lang="zh-TW" altLang="en-US"/>
           </a:p>
@@ -4846,7 +4846,7 @@
           <a:p>
             <a:fld id="{8BF0C6D2-8C97-499B-9601-D275794C7A22}" type="datetime1">
               <a:rPr lang="zh-TW" altLang="en-US" smtClean="0"/>
-              <a:t>2021/5/10</a:t>
+              <a:t>2021/5/17</a:t>
             </a:fld>
             <a:endParaRPr lang="zh-TW" altLang="en-US"/>
           </a:p>
@@ -4963,7 +4963,7 @@
           <a:p>
             <a:fld id="{FC3A5200-B735-4D4E-809C-1D0BEC490B6B}" type="datetime1">
               <a:rPr lang="zh-TW" altLang="en-US" smtClean="0"/>
-              <a:t>2021/5/10</a:t>
+              <a:t>2021/5/17</a:t>
             </a:fld>
             <a:endParaRPr lang="zh-TW" altLang="en-US"/>
           </a:p>
@@ -5058,7 +5058,7 @@
           <a:p>
             <a:fld id="{47B2102B-164F-4232-8160-CA04907C64C5}" type="datetime1">
               <a:rPr lang="zh-TW" altLang="en-US" smtClean="0"/>
-              <a:t>2021/5/10</a:t>
+              <a:t>2021/5/17</a:t>
             </a:fld>
             <a:endParaRPr lang="zh-TW" altLang="en-US"/>
           </a:p>
@@ -5333,7 +5333,7 @@
           <a:p>
             <a:fld id="{8CC22B0A-BD2A-45F1-BFAB-BD9FC95FEEAA}" type="datetime1">
               <a:rPr lang="zh-TW" altLang="en-US" smtClean="0"/>
-              <a:t>2021/5/10</a:t>
+              <a:t>2021/5/17</a:t>
             </a:fld>
             <a:endParaRPr lang="zh-TW" altLang="en-US"/>
           </a:p>
@@ -5585,7 +5585,7 @@
           <a:p>
             <a:fld id="{CEA87FB7-F1F8-4ED4-A6FA-5BA2C6E36EB9}" type="datetime1">
               <a:rPr lang="zh-TW" altLang="en-US" smtClean="0"/>
-              <a:t>2021/5/10</a:t>
+              <a:t>2021/5/17</a:t>
             </a:fld>
             <a:endParaRPr lang="zh-TW" altLang="en-US"/>
           </a:p>
@@ -5796,7 +5796,7 @@
           <a:p>
             <a:fld id="{41324750-847C-4090-B63A-42D18BEC7702}" type="datetime1">
               <a:rPr lang="zh-TW" altLang="en-US" smtClean="0"/>
-              <a:t>2021/5/10</a:t>
+              <a:t>2021/5/17</a:t>
             </a:fld>
             <a:endParaRPr lang="zh-TW" altLang="en-US"/>
           </a:p>
@@ -16713,19 +16713,31 @@
               <a:t> tool and </a:t>
             </a:r>
             <a:r>
-              <a:rPr lang="en-US" altLang="zh-TW" dirty="0" err="1"/>
+              <a:rPr lang="en-US" altLang="zh-TW" dirty="0" err="1">
+                <a:solidFill>
+                  <a:srgbClr val="FF0000"/>
+                </a:solidFill>
+              </a:rPr>
               <a:t>gerenate</a:t>
             </a:r>
             <a:r>
-              <a:rPr lang="en-US" altLang="zh-TW" dirty="0"/>
-              <a:t> HDL.</a:t>
+              <a:rPr lang="en-US" altLang="zh-TW" dirty="0">
+                <a:solidFill>
+                  <a:srgbClr val="FF0000"/>
+                </a:solidFill>
+              </a:rPr>
+              <a:t> HDL with simulation code</a:t>
+            </a:r>
+            <a:r>
+              <a:rPr lang="en-US" altLang="zh-TW" dirty="0"/>
+              <a:t>.</a:t>
             </a:r>
           </a:p>
           <a:p>
             <a:pPr lvl="1"/>
             <a:r>
               <a:rPr lang="en-US" altLang="zh-TW" dirty="0"/>
-              <a:t>Follow the instructions in page 26</a:t>
+              <a:t>Follow the instructions in page 28</a:t>
             </a:r>
           </a:p>
           <a:p>
